--- a/slide/4_Core_Concepts_of_Experimental_Design.pptx
+++ b/slide/4_Core_Concepts_of_Experimental_Design.pptx
@@ -151,31 +151,23 @@
 </p:presentation>
 </file>
 
-<file path=ppt/revisionInfo.xml><?xml version="1.0" encoding="utf-8"?>
-<p1510:revInfo xmlns:a="http://schemas.openxmlformats.org/drawingml/2006/main" xmlns:r="http://schemas.openxmlformats.org/officeDocument/2006/relationships" xmlns:p1510="http://schemas.microsoft.com/office/powerpoint/2015/10/main">
-  <p1510:revLst>
-    <p1510:client id="{43BAA383-D102-BE4D-857F-2FAA512AFB3B}" v="5" dt="2025-02-24T21:59:22.142"/>
-  </p1510:revLst>
-</p1510:revInfo>
-</file>
-
 <file path=ppt/changesInfos/changesInfo1.xml><?xml version="1.0" encoding="utf-8"?>
 <pc:chgInfo xmlns:a="http://schemas.openxmlformats.org/drawingml/2006/main" xmlns:r="http://schemas.openxmlformats.org/officeDocument/2006/relationships" xmlns:ac="http://schemas.microsoft.com/office/drawing/2013/main/command" xmlns:pc="http://schemas.microsoft.com/office/powerpoint/2013/main/command">
   <pc:docChgLst>
-    <pc:chgData name="Sebastian Vallejo Vera" userId="661f42ee-5565-49c4-8b1d-325f2d699b91" providerId="ADAL" clId="{43BAA383-D102-BE4D-857F-2FAA512AFB3B}"/>
-    <pc:docChg chg="undo custSel modSld">
-      <pc:chgData name="Sebastian Vallejo Vera" userId="661f42ee-5565-49c4-8b1d-325f2d699b91" providerId="ADAL" clId="{43BAA383-D102-BE4D-857F-2FAA512AFB3B}" dt="2025-02-24T21:59:22.142" v="152" actId="20577"/>
+    <pc:chgData name="Sebastian Vallejo Vera" userId="661f42ee-5565-49c4-8b1d-325f2d699b91" providerId="ADAL" clId="{8C1EFA1F-0339-5164-815E-AFC004A65A72}"/>
+    <pc:docChg chg="modSld">
+      <pc:chgData name="Sebastian Vallejo Vera" userId="661f42ee-5565-49c4-8b1d-325f2d699b91" providerId="ADAL" clId="{8C1EFA1F-0339-5164-815E-AFC004A65A72}" dt="2026-01-20T16:11:03.654" v="116" actId="20577"/>
       <pc:docMkLst>
         <pc:docMk/>
       </pc:docMkLst>
       <pc:sldChg chg="modSp mod">
-        <pc:chgData name="Sebastian Vallejo Vera" userId="661f42ee-5565-49c4-8b1d-325f2d699b91" providerId="ADAL" clId="{43BAA383-D102-BE4D-857F-2FAA512AFB3B}" dt="2025-01-21T23:38:33.056" v="141" actId="313"/>
+        <pc:chgData name="Sebastian Vallejo Vera" userId="661f42ee-5565-49c4-8b1d-325f2d699b91" providerId="ADAL" clId="{8C1EFA1F-0339-5164-815E-AFC004A65A72}" dt="2026-01-20T14:45:53.521" v="12" actId="20577"/>
         <pc:sldMkLst>
           <pc:docMk/>
           <pc:sldMk cId="1925882594" sldId="280"/>
         </pc:sldMkLst>
         <pc:spChg chg="mod">
-          <ac:chgData name="Sebastian Vallejo Vera" userId="661f42ee-5565-49c4-8b1d-325f2d699b91" providerId="ADAL" clId="{43BAA383-D102-BE4D-857F-2FAA512AFB3B}" dt="2025-01-21T23:38:33.056" v="141" actId="313"/>
+          <ac:chgData name="Sebastian Vallejo Vera" userId="661f42ee-5565-49c4-8b1d-325f2d699b91" providerId="ADAL" clId="{8C1EFA1F-0339-5164-815E-AFC004A65A72}" dt="2026-01-20T14:45:53.521" v="12" actId="20577"/>
           <ac:spMkLst>
             <pc:docMk/>
             <pc:sldMk cId="1925882594" sldId="280"/>
@@ -183,237 +175,21 @@
           </ac:spMkLst>
         </pc:spChg>
       </pc:sldChg>
-      <pc:sldChg chg="modSp">
-        <pc:chgData name="Sebastian Vallejo Vera" userId="661f42ee-5565-49c4-8b1d-325f2d699b91" providerId="ADAL" clId="{43BAA383-D102-BE4D-857F-2FAA512AFB3B}" dt="2025-01-21T23:36:52.666" v="73" actId="20577"/>
+      <pc:sldChg chg="modNotesTx">
+        <pc:chgData name="Sebastian Vallejo Vera" userId="661f42ee-5565-49c4-8b1d-325f2d699b91" providerId="ADAL" clId="{8C1EFA1F-0339-5164-815E-AFC004A65A72}" dt="2026-01-20T16:11:03.654" v="116" actId="20577"/>
         <pc:sldMkLst>
           <pc:docMk/>
-          <pc:sldMk cId="3974665794" sldId="281"/>
-        </pc:sldMkLst>
-        <pc:spChg chg="mod">
-          <ac:chgData name="Sebastian Vallejo Vera" userId="661f42ee-5565-49c4-8b1d-325f2d699b91" providerId="ADAL" clId="{43BAA383-D102-BE4D-857F-2FAA512AFB3B}" dt="2025-01-21T23:36:52.666" v="73" actId="20577"/>
-          <ac:spMkLst>
-            <pc:docMk/>
-            <pc:sldMk cId="3974665794" sldId="281"/>
-            <ac:spMk id="3" creationId="{1DDAC908-2394-1D87-DF34-999D0ADE431D}"/>
-          </ac:spMkLst>
-        </pc:spChg>
-      </pc:sldChg>
-      <pc:sldChg chg="modSp">
-        <pc:chgData name="Sebastian Vallejo Vera" userId="661f42ee-5565-49c4-8b1d-325f2d699b91" providerId="ADAL" clId="{43BAA383-D102-BE4D-857F-2FAA512AFB3B}" dt="2025-01-21T23:45:36.957" v="142" actId="13926"/>
-        <pc:sldMkLst>
-          <pc:docMk/>
-          <pc:sldMk cId="4225619465" sldId="283"/>
-        </pc:sldMkLst>
-        <pc:spChg chg="mod">
-          <ac:chgData name="Sebastian Vallejo Vera" userId="661f42ee-5565-49c4-8b1d-325f2d699b91" providerId="ADAL" clId="{43BAA383-D102-BE4D-857F-2FAA512AFB3B}" dt="2025-01-21T23:45:36.957" v="142" actId="13926"/>
-          <ac:spMkLst>
-            <pc:docMk/>
-            <pc:sldMk cId="4225619465" sldId="283"/>
-            <ac:spMk id="3" creationId="{142CFFA1-7622-2ED9-91AE-992C6E1189EA}"/>
-          </ac:spMkLst>
-        </pc:spChg>
-      </pc:sldChg>
-      <pc:sldChg chg="modSp mod">
-        <pc:chgData name="Sebastian Vallejo Vera" userId="661f42ee-5565-49c4-8b1d-325f2d699b91" providerId="ADAL" clId="{43BAA383-D102-BE4D-857F-2FAA512AFB3B}" dt="2025-02-24T21:59:22.142" v="152" actId="20577"/>
-        <pc:sldMkLst>
-          <pc:docMk/>
-          <pc:sldMk cId="3149647717" sldId="284"/>
-        </pc:sldMkLst>
-        <pc:spChg chg="mod">
-          <ac:chgData name="Sebastian Vallejo Vera" userId="661f42ee-5565-49c4-8b1d-325f2d699b91" providerId="ADAL" clId="{43BAA383-D102-BE4D-857F-2FAA512AFB3B}" dt="2025-02-24T21:59:22.142" v="152" actId="20577"/>
-          <ac:spMkLst>
-            <pc:docMk/>
-            <pc:sldMk cId="3149647717" sldId="284"/>
-            <ac:spMk id="3" creationId="{3FA38E1D-DD3E-91B0-248E-581B6D4B6C41}"/>
-          </ac:spMkLst>
-        </pc:spChg>
-      </pc:sldChg>
-    </pc:docChg>
-  </pc:docChgLst>
-  <pc:docChgLst>
-    <pc:chgData name="Sebastian Vallejo Vera" userId="661f42ee-5565-49c4-8b1d-325f2d699b91" providerId="ADAL" clId="{6149EE78-242A-0746-A583-3A62D1348A65}"/>
-    <pc:docChg chg="custSel modSld">
-      <pc:chgData name="Sebastian Vallejo Vera" userId="661f42ee-5565-49c4-8b1d-325f2d699b91" providerId="ADAL" clId="{6149EE78-242A-0746-A583-3A62D1348A65}" dt="2025-01-28T14:46:03.587" v="57" actId="20577"/>
-      <pc:docMkLst>
-        <pc:docMk/>
-      </pc:docMkLst>
-      <pc:sldChg chg="modSp mod">
-        <pc:chgData name="Sebastian Vallejo Vera" userId="661f42ee-5565-49c4-8b1d-325f2d699b91" providerId="ADAL" clId="{6149EE78-242A-0746-A583-3A62D1348A65}" dt="2025-01-21T14:43:06.975" v="18" actId="207"/>
-        <pc:sldMkLst>
-          <pc:docMk/>
-          <pc:sldMk cId="398469199" sldId="264"/>
-        </pc:sldMkLst>
-        <pc:spChg chg="mod">
-          <ac:chgData name="Sebastian Vallejo Vera" userId="661f42ee-5565-49c4-8b1d-325f2d699b91" providerId="ADAL" clId="{6149EE78-242A-0746-A583-3A62D1348A65}" dt="2025-01-21T14:43:06.975" v="18" actId="207"/>
-          <ac:spMkLst>
-            <pc:docMk/>
-            <pc:sldMk cId="398469199" sldId="264"/>
-            <ac:spMk id="3" creationId="{D4F858F9-7011-8389-D4B9-040AA2EBF1F9}"/>
-          </ac:spMkLst>
-        </pc:spChg>
-      </pc:sldChg>
-      <pc:sldChg chg="addSp delSp modSp mod chgLayout">
-        <pc:chgData name="Sebastian Vallejo Vera" userId="661f42ee-5565-49c4-8b1d-325f2d699b91" providerId="ADAL" clId="{6149EE78-242A-0746-A583-3A62D1348A65}" dt="2025-01-21T17:04:23.126" v="55" actId="6264"/>
-        <pc:sldMkLst>
-          <pc:docMk/>
-          <pc:sldMk cId="862504585" sldId="270"/>
-        </pc:sldMkLst>
-        <pc:spChg chg="del">
-          <ac:chgData name="Sebastian Vallejo Vera" userId="661f42ee-5565-49c4-8b1d-325f2d699b91" providerId="ADAL" clId="{6149EE78-242A-0746-A583-3A62D1348A65}" dt="2025-01-21T17:03:43.490" v="54" actId="6264"/>
-          <ac:spMkLst>
-            <pc:docMk/>
-            <pc:sldMk cId="862504585" sldId="270"/>
-            <ac:spMk id="2" creationId="{EF126D50-A71A-7768-B6CE-9A52394813E9}"/>
-          </ac:spMkLst>
-        </pc:spChg>
-        <pc:spChg chg="mod ord">
-          <ac:chgData name="Sebastian Vallejo Vera" userId="661f42ee-5565-49c4-8b1d-325f2d699b91" providerId="ADAL" clId="{6149EE78-242A-0746-A583-3A62D1348A65}" dt="2025-01-21T17:04:23.126" v="55" actId="6264"/>
-          <ac:spMkLst>
-            <pc:docMk/>
-            <pc:sldMk cId="862504585" sldId="270"/>
-            <ac:spMk id="3" creationId="{E1530832-C0C9-03B5-1619-5DA7BF4F6A58}"/>
-          </ac:spMkLst>
-        </pc:spChg>
-        <pc:spChg chg="add del mod">
-          <ac:chgData name="Sebastian Vallejo Vera" userId="661f42ee-5565-49c4-8b1d-325f2d699b91" providerId="ADAL" clId="{6149EE78-242A-0746-A583-3A62D1348A65}" dt="2025-01-21T17:03:43.490" v="54" actId="6264"/>
-          <ac:spMkLst>
-            <pc:docMk/>
-            <pc:sldMk cId="862504585" sldId="270"/>
-            <ac:spMk id="4" creationId="{FDEC767B-A748-2123-1918-DCE6EDD7A371}"/>
-          </ac:spMkLst>
-        </pc:spChg>
-        <pc:spChg chg="add del mod ord">
-          <ac:chgData name="Sebastian Vallejo Vera" userId="661f42ee-5565-49c4-8b1d-325f2d699b91" providerId="ADAL" clId="{6149EE78-242A-0746-A583-3A62D1348A65}" dt="2025-01-21T17:04:23.126" v="55" actId="6264"/>
-          <ac:spMkLst>
-            <pc:docMk/>
-            <pc:sldMk cId="862504585" sldId="270"/>
-            <ac:spMk id="5" creationId="{CFA8F5CE-E962-D125-C7C7-672217FFF558}"/>
-          </ac:spMkLst>
-        </pc:spChg>
-        <pc:spChg chg="add del mod">
-          <ac:chgData name="Sebastian Vallejo Vera" userId="661f42ee-5565-49c4-8b1d-325f2d699b91" providerId="ADAL" clId="{6149EE78-242A-0746-A583-3A62D1348A65}" dt="2025-01-21T17:04:23.126" v="55" actId="6264"/>
-          <ac:spMkLst>
-            <pc:docMk/>
-            <pc:sldMk cId="862504585" sldId="270"/>
-            <ac:spMk id="6" creationId="{C26075A3-2E76-CCBB-206D-DCB5140CDBA5}"/>
-          </ac:spMkLst>
-        </pc:spChg>
-        <pc:spChg chg="add mod ord">
-          <ac:chgData name="Sebastian Vallejo Vera" userId="661f42ee-5565-49c4-8b1d-325f2d699b91" providerId="ADAL" clId="{6149EE78-242A-0746-A583-3A62D1348A65}" dt="2025-01-21T17:04:23.126" v="55" actId="6264"/>
-          <ac:spMkLst>
-            <pc:docMk/>
-            <pc:sldMk cId="862504585" sldId="270"/>
-            <ac:spMk id="7" creationId="{25DC1A8D-64A0-82A3-4777-3F2F3AD1E0C4}"/>
-          </ac:spMkLst>
-        </pc:spChg>
-      </pc:sldChg>
-      <pc:sldChg chg="modNotesTx">
-        <pc:chgData name="Sebastian Vallejo Vera" userId="661f42ee-5565-49c4-8b1d-325f2d699b91" providerId="ADAL" clId="{6149EE78-242A-0746-A583-3A62D1348A65}" dt="2025-01-21T14:44:50.330" v="48" actId="20577"/>
-        <pc:sldMkLst>
-          <pc:docMk/>
-          <pc:sldMk cId="24071621" sldId="276"/>
+          <pc:sldMk cId="1321032047" sldId="289"/>
         </pc:sldMkLst>
       </pc:sldChg>
       <pc:sldChg chg="modSp mod">
-        <pc:chgData name="Sebastian Vallejo Vera" userId="661f42ee-5565-49c4-8b1d-325f2d699b91" providerId="ADAL" clId="{6149EE78-242A-0746-A583-3A62D1348A65}" dt="2025-01-21T14:45:20.253" v="52" actId="20577"/>
-        <pc:sldMkLst>
-          <pc:docMk/>
-          <pc:sldMk cId="3667437704" sldId="277"/>
-        </pc:sldMkLst>
-        <pc:spChg chg="mod">
-          <ac:chgData name="Sebastian Vallejo Vera" userId="661f42ee-5565-49c4-8b1d-325f2d699b91" providerId="ADAL" clId="{6149EE78-242A-0746-A583-3A62D1348A65}" dt="2025-01-21T14:45:20.253" v="52" actId="20577"/>
-          <ac:spMkLst>
-            <pc:docMk/>
-            <pc:sldMk cId="3667437704" sldId="277"/>
-            <ac:spMk id="3" creationId="{A2577CE5-62B3-ADDE-252B-D84A311E31A2}"/>
-          </ac:spMkLst>
-        </pc:spChg>
-      </pc:sldChg>
-      <pc:sldChg chg="modSp mod">
-        <pc:chgData name="Sebastian Vallejo Vera" userId="661f42ee-5565-49c4-8b1d-325f2d699b91" providerId="ADAL" clId="{6149EE78-242A-0746-A583-3A62D1348A65}" dt="2025-01-28T14:46:03.587" v="57" actId="20577"/>
-        <pc:sldMkLst>
-          <pc:docMk/>
-          <pc:sldMk cId="986456503" sldId="288"/>
-        </pc:sldMkLst>
-        <pc:spChg chg="mod">
-          <ac:chgData name="Sebastian Vallejo Vera" userId="661f42ee-5565-49c4-8b1d-325f2d699b91" providerId="ADAL" clId="{6149EE78-242A-0746-A583-3A62D1348A65}" dt="2025-01-28T14:46:03.587" v="57" actId="20577"/>
-          <ac:spMkLst>
-            <pc:docMk/>
-            <pc:sldMk cId="986456503" sldId="288"/>
-            <ac:spMk id="3" creationId="{08E9B788-853F-1F16-C484-B95B1775EB5A}"/>
-          </ac:spMkLst>
-        </pc:spChg>
-      </pc:sldChg>
-      <pc:sldChg chg="modSp mod">
-        <pc:chgData name="Sebastian Vallejo Vera" userId="661f42ee-5565-49c4-8b1d-325f2d699b91" providerId="ADAL" clId="{6149EE78-242A-0746-A583-3A62D1348A65}" dt="2025-01-21T14:40:56.610" v="17" actId="20577"/>
+        <pc:chgData name="Sebastian Vallejo Vera" userId="661f42ee-5565-49c4-8b1d-325f2d699b91" providerId="ADAL" clId="{8C1EFA1F-0339-5164-815E-AFC004A65A72}" dt="2026-01-13T16:30:41.637" v="11" actId="20577"/>
         <pc:sldMkLst>
           <pc:docMk/>
           <pc:sldMk cId="3111299289" sldId="292"/>
         </pc:sldMkLst>
         <pc:spChg chg="mod">
-          <ac:chgData name="Sebastian Vallejo Vera" userId="661f42ee-5565-49c4-8b1d-325f2d699b91" providerId="ADAL" clId="{6149EE78-242A-0746-A583-3A62D1348A65}" dt="2025-01-21T14:40:56.610" v="17" actId="20577"/>
-          <ac:spMkLst>
-            <pc:docMk/>
-            <pc:sldMk cId="3111299289" sldId="292"/>
-            <ac:spMk id="3" creationId="{1F965869-4765-1ED7-B6D5-04C002307635}"/>
-          </ac:spMkLst>
-        </pc:spChg>
-      </pc:sldChg>
-    </pc:docChg>
-  </pc:docChgLst>
-  <pc:docChgLst>
-    <pc:chgData name="Vallejo Vera, Sebastian" userId="9dbf769e-f5f7-4c1a-b214-de73a2d2b9d1" providerId="ADAL" clId="{6488F875-AD4F-CF4D-A6CB-A9D69D21435B}"/>
-    <pc:docChg chg="custSel addSld modSld sldOrd">
-      <pc:chgData name="Vallejo Vera, Sebastian" userId="9dbf769e-f5f7-4c1a-b214-de73a2d2b9d1" providerId="ADAL" clId="{6488F875-AD4F-CF4D-A6CB-A9D69D21435B}" dt="2024-01-23T15:36:16.784" v="628" actId="20577"/>
-      <pc:docMkLst>
-        <pc:docMk/>
-      </pc:docMkLst>
-      <pc:sldChg chg="modSp">
-        <pc:chgData name="Vallejo Vera, Sebastian" userId="9dbf769e-f5f7-4c1a-b214-de73a2d2b9d1" providerId="ADAL" clId="{6488F875-AD4F-CF4D-A6CB-A9D69D21435B}" dt="2024-01-23T15:33:57.086" v="626" actId="20577"/>
-        <pc:sldMkLst>
-          <pc:docMk/>
-          <pc:sldMk cId="3974665794" sldId="281"/>
-        </pc:sldMkLst>
-        <pc:spChg chg="mod">
-          <ac:chgData name="Vallejo Vera, Sebastian" userId="9dbf769e-f5f7-4c1a-b214-de73a2d2b9d1" providerId="ADAL" clId="{6488F875-AD4F-CF4D-A6CB-A9D69D21435B}" dt="2024-01-23T15:33:57.086" v="626" actId="20577"/>
-          <ac:spMkLst>
-            <pc:docMk/>
-            <pc:sldMk cId="3974665794" sldId="281"/>
-            <ac:spMk id="3" creationId="{1DDAC908-2394-1D87-DF34-999D0ADE431D}"/>
-          </ac:spMkLst>
-        </pc:spChg>
-      </pc:sldChg>
-      <pc:sldChg chg="modSp">
-        <pc:chgData name="Vallejo Vera, Sebastian" userId="9dbf769e-f5f7-4c1a-b214-de73a2d2b9d1" providerId="ADAL" clId="{6488F875-AD4F-CF4D-A6CB-A9D69D21435B}" dt="2024-01-23T15:36:16.784" v="628" actId="20577"/>
-        <pc:sldMkLst>
-          <pc:docMk/>
-          <pc:sldMk cId="2450634465" sldId="282"/>
-        </pc:sldMkLst>
-        <pc:spChg chg="mod">
-          <ac:chgData name="Vallejo Vera, Sebastian" userId="9dbf769e-f5f7-4c1a-b214-de73a2d2b9d1" providerId="ADAL" clId="{6488F875-AD4F-CF4D-A6CB-A9D69D21435B}" dt="2024-01-23T15:36:16.784" v="628" actId="20577"/>
-          <ac:spMkLst>
-            <pc:docMk/>
-            <pc:sldMk cId="2450634465" sldId="282"/>
-            <ac:spMk id="3" creationId="{5D0B8871-C272-1CA1-2F0E-D12B94EF591B}"/>
-          </ac:spMkLst>
-        </pc:spChg>
-      </pc:sldChg>
-      <pc:sldChg chg="modSp new mod ord">
-        <pc:chgData name="Vallejo Vera, Sebastian" userId="9dbf769e-f5f7-4c1a-b214-de73a2d2b9d1" providerId="ADAL" clId="{6488F875-AD4F-CF4D-A6CB-A9D69D21435B}" dt="2024-01-23T14:11:08.384" v="622" actId="20577"/>
-        <pc:sldMkLst>
-          <pc:docMk/>
-          <pc:sldMk cId="3111299289" sldId="292"/>
-        </pc:sldMkLst>
-        <pc:spChg chg="mod">
-          <ac:chgData name="Vallejo Vera, Sebastian" userId="9dbf769e-f5f7-4c1a-b214-de73a2d2b9d1" providerId="ADAL" clId="{6488F875-AD4F-CF4D-A6CB-A9D69D21435B}" dt="2024-01-23T13:55:09.325" v="41" actId="20577"/>
-          <ac:spMkLst>
-            <pc:docMk/>
-            <pc:sldMk cId="3111299289" sldId="292"/>
-            <ac:spMk id="2" creationId="{37AA7E6F-C936-3321-0190-CFFE016DC4E8}"/>
-          </ac:spMkLst>
-        </pc:spChg>
-        <pc:spChg chg="mod">
-          <ac:chgData name="Vallejo Vera, Sebastian" userId="9dbf769e-f5f7-4c1a-b214-de73a2d2b9d1" providerId="ADAL" clId="{6488F875-AD4F-CF4D-A6CB-A9D69D21435B}" dt="2024-01-23T14:11:08.384" v="622" actId="20577"/>
+          <ac:chgData name="Sebastian Vallejo Vera" userId="661f42ee-5565-49c4-8b1d-325f2d699b91" providerId="ADAL" clId="{8C1EFA1F-0339-5164-815E-AFC004A65A72}" dt="2026-01-13T16:30:41.637" v="11" actId="20577"/>
           <ac:spMkLst>
             <pc:docMk/>
             <pc:sldMk cId="3111299289" sldId="292"/>
@@ -508,7 +284,7 @@
           <a:p>
             <a:fld id="{0E6ED905-1BB6-CA47-9484-3591A718D544}" type="datetimeFigureOut">
               <a:rPr lang="en-US" smtClean="0"/>
-              <a:t>2/24/25</a:t>
+              <a:t>1/20/26</a:t>
             </a:fld>
             <a:endParaRPr lang="en-US"/>
           </a:p>
@@ -870,6 +646,117 @@
 </p:notes>
 </file>
 
+<file path=ppt/notesSlides/notesSlide2.xml><?xml version="1.0" encoding="utf-8"?>
+<p:notes xmlns:a="http://schemas.openxmlformats.org/drawingml/2006/main" xmlns:r="http://schemas.openxmlformats.org/officeDocument/2006/relationships" xmlns:p="http://schemas.openxmlformats.org/presentationml/2006/main">
+  <p:cSld>
+    <p:spTree>
+      <p:nvGrpSpPr>
+        <p:cNvPr id="1" name=""/>
+        <p:cNvGrpSpPr/>
+        <p:nvPr/>
+      </p:nvGrpSpPr>
+      <p:grpSpPr>
+        <a:xfrm>
+          <a:off x="0" y="0"/>
+          <a:ext cx="0" cy="0"/>
+          <a:chOff x="0" y="0"/>
+          <a:chExt cx="0" cy="0"/>
+        </a:xfrm>
+      </p:grpSpPr>
+      <p:sp>
+        <p:nvSpPr>
+          <p:cNvPr id="2" name="Slide Image Placeholder 1"/>
+          <p:cNvSpPr>
+            <a:spLocks noGrp="1" noRot="1" noChangeAspect="1"/>
+          </p:cNvSpPr>
+          <p:nvPr>
+            <p:ph type="sldImg"/>
+          </p:nvPr>
+        </p:nvSpPr>
+        <p:spPr/>
+      </p:sp>
+      <p:sp>
+        <p:nvSpPr>
+          <p:cNvPr id="3" name="Notes Placeholder 2"/>
+          <p:cNvSpPr>
+            <a:spLocks noGrp="1"/>
+          </p:cNvSpPr>
+          <p:nvPr>
+            <p:ph type="body" idx="1"/>
+          </p:nvPr>
+        </p:nvSpPr>
+        <p:spPr/>
+        <p:txBody>
+          <a:bodyPr/>
+          <a:lstStyle/>
+          <a:p>
+            <a:r>
+              <a:rPr lang="en-US" dirty="0"/>
+              <a:t>Change the nomenclature of the group that does not get the treatment to </a:t>
+            </a:r>
+            <a:r>
+              <a:rPr lang="en-US" dirty="0" err="1"/>
+              <a:t>X_j</a:t>
+            </a:r>
+            <a:r>
+              <a:rPr lang="en-US" dirty="0"/>
+              <a:t> because it is </a:t>
+            </a:r>
+            <a:r>
+              <a:rPr lang="en-US" dirty="0" err="1"/>
+              <a:t>confus</a:t>
+            </a:r>
+            <a:r>
+              <a:rPr lang="en-US" dirty="0"/>
+              <a:t> </a:t>
+            </a:r>
+            <a:r>
+              <a:rPr lang="en-US" dirty="0" err="1"/>
+              <a:t>ing</a:t>
+            </a:r>
+            <a:r>
+              <a:rPr lang="en-US" dirty="0"/>
+              <a:t>. </a:t>
+            </a:r>
+          </a:p>
+        </p:txBody>
+      </p:sp>
+      <p:sp>
+        <p:nvSpPr>
+          <p:cNvPr id="4" name="Slide Number Placeholder 3"/>
+          <p:cNvSpPr>
+            <a:spLocks noGrp="1"/>
+          </p:cNvSpPr>
+          <p:nvPr>
+            <p:ph type="sldNum" sz="quarter" idx="5"/>
+          </p:nvPr>
+        </p:nvSpPr>
+        <p:spPr/>
+        <p:txBody>
+          <a:bodyPr/>
+          <a:lstStyle/>
+          <a:p>
+            <a:fld id="{15199864-9631-B044-B56A-518B013918D1}" type="slidenum">
+              <a:rPr lang="en-US" smtClean="0"/>
+              <a:t>34</a:t>
+            </a:fld>
+            <a:endParaRPr lang="en-US"/>
+          </a:p>
+        </p:txBody>
+      </p:sp>
+    </p:spTree>
+    <p:extLst>
+      <p:ext uri="{BB962C8B-B14F-4D97-AF65-F5344CB8AC3E}">
+        <p14:creationId xmlns:p14="http://schemas.microsoft.com/office/powerpoint/2010/main" val="634613644"/>
+      </p:ext>
+    </p:extLst>
+  </p:cSld>
+  <p:clrMapOvr>
+    <a:masterClrMapping/>
+  </p:clrMapOvr>
+</p:notes>
+</file>
+
 <file path=ppt/slideLayouts/slideLayout1.xml><?xml version="1.0" encoding="utf-8"?>
 <p:sldLayout xmlns:a="http://schemas.openxmlformats.org/drawingml/2006/main" xmlns:r="http://schemas.openxmlformats.org/officeDocument/2006/relationships" xmlns:p="http://schemas.openxmlformats.org/presentationml/2006/main" showMasterSp="0" type="title" preserve="1">
   <p:cSld name="Title Slide">
@@ -1940,6 +1827,13 @@
             <a:tailEnd/>
           </a:ln>
         </p:spPr>
+        <p:txBody>
+          <a:bodyPr/>
+          <a:lstStyle/>
+          <a:p>
+            <a:endParaRPr lang="en-US"/>
+          </a:p>
+        </p:txBody>
       </p:sp>
       <p:sp>
         <p:nvSpPr>
@@ -2081,7 +1975,7 @@
           <a:p>
             <a:fld id="{3FD2E5CD-3587-6B4E-9A70-18FBCE099A42}" type="datetimeFigureOut">
               <a:rPr lang="en-US" smtClean="0"/>
-              <a:t>2/24/25</a:t>
+              <a:t>1/20/26</a:t>
             </a:fld>
             <a:endParaRPr lang="en-US"/>
           </a:p>
@@ -2196,6 +2090,13 @@
             <a:schemeClr val="lt1"/>
           </a:fontRef>
         </p:style>
+        <p:txBody>
+          <a:bodyPr/>
+          <a:lstStyle/>
+          <a:p>
+            <a:endParaRPr lang="en-US"/>
+          </a:p>
+        </p:txBody>
       </p:sp>
     </p:spTree>
     <p:extLst>
@@ -2319,7 +2220,7 @@
           <a:p>
             <a:fld id="{3FD2E5CD-3587-6B4E-9A70-18FBCE099A42}" type="datetimeFigureOut">
               <a:rPr lang="en-US" smtClean="0"/>
-              <a:t>2/24/25</a:t>
+              <a:t>1/20/26</a:t>
             </a:fld>
             <a:endParaRPr lang="en-US"/>
           </a:p>
@@ -2499,7 +2400,7 @@
           <a:p>
             <a:fld id="{3FD2E5CD-3587-6B4E-9A70-18FBCE099A42}" type="datetimeFigureOut">
               <a:rPr lang="en-US" smtClean="0"/>
-              <a:t>2/24/25</a:t>
+              <a:t>1/20/26</a:t>
             </a:fld>
             <a:endParaRPr lang="en-US"/>
           </a:p>
@@ -2669,7 +2570,7 @@
           <a:p>
             <a:fld id="{3FD2E5CD-3587-6B4E-9A70-18FBCE099A42}" type="datetimeFigureOut">
               <a:rPr lang="en-US" smtClean="0"/>
-              <a:t>2/24/25</a:t>
+              <a:t>1/20/26</a:t>
             </a:fld>
             <a:endParaRPr lang="en-US"/>
           </a:p>
@@ -2945,7 +2846,7 @@
           <a:p>
             <a:fld id="{3FD2E5CD-3587-6B4E-9A70-18FBCE099A42}" type="datetimeFigureOut">
               <a:rPr lang="en-US" smtClean="0"/>
-              <a:t>2/24/25</a:t>
+              <a:t>1/20/26</a:t>
             </a:fld>
             <a:endParaRPr lang="en-US"/>
           </a:p>
@@ -3355,6 +3256,13 @@
               <a:tailEnd/>
             </a:ln>
           </p:spPr>
+          <p:txBody>
+            <a:bodyPr/>
+            <a:lstStyle/>
+            <a:p>
+              <a:endParaRPr lang="en-US"/>
+            </a:p>
+          </p:txBody>
         </p:sp>
         <p:sp>
           <p:nvSpPr>
@@ -3960,6 +3868,13 @@
               <a:tailEnd/>
             </a:ln>
           </p:spPr>
+          <p:txBody>
+            <a:bodyPr/>
+            <a:lstStyle/>
+            <a:p>
+              <a:endParaRPr lang="en-US"/>
+            </a:p>
+          </p:txBody>
         </p:sp>
       </p:grpSp>
     </p:spTree>
@@ -4146,7 +4061,7 @@
           <a:p>
             <a:fld id="{3FD2E5CD-3587-6B4E-9A70-18FBCE099A42}" type="datetimeFigureOut">
               <a:rPr lang="en-US" smtClean="0"/>
-              <a:t>2/24/25</a:t>
+              <a:t>1/20/26</a:t>
             </a:fld>
             <a:endParaRPr lang="en-US"/>
           </a:p>
@@ -4536,7 +4451,7 @@
           <a:p>
             <a:fld id="{3FD2E5CD-3587-6B4E-9A70-18FBCE099A42}" type="datetimeFigureOut">
               <a:rPr lang="en-US" smtClean="0"/>
-              <a:t>2/24/25</a:t>
+              <a:t>1/20/26</a:t>
             </a:fld>
             <a:endParaRPr lang="en-US"/>
           </a:p>
@@ -4659,7 +4574,7 @@
           <a:p>
             <a:fld id="{3FD2E5CD-3587-6B4E-9A70-18FBCE099A42}" type="datetimeFigureOut">
               <a:rPr lang="en-US" smtClean="0"/>
-              <a:t>2/24/25</a:t>
+              <a:t>1/20/26</a:t>
             </a:fld>
             <a:endParaRPr lang="en-US"/>
           </a:p>
@@ -4754,7 +4669,7 @@
           <a:p>
             <a:fld id="{3FD2E5CD-3587-6B4E-9A70-18FBCE099A42}" type="datetimeFigureOut">
               <a:rPr lang="en-US" smtClean="0"/>
-              <a:t>2/24/25</a:t>
+              <a:t>1/20/26</a:t>
             </a:fld>
             <a:endParaRPr lang="en-US"/>
           </a:p>
@@ -5517,7 +5432,7 @@
           <a:p>
             <a:fld id="{3FD2E5CD-3587-6B4E-9A70-18FBCE099A42}" type="datetimeFigureOut">
               <a:rPr lang="en-US" smtClean="0"/>
-              <a:t>2/24/25</a:t>
+              <a:t>1/20/26</a:t>
             </a:fld>
             <a:endParaRPr lang="en-US"/>
           </a:p>
@@ -6357,7 +6272,7 @@
           <a:p>
             <a:fld id="{3FD2E5CD-3587-6B4E-9A70-18FBCE099A42}" type="datetimeFigureOut">
               <a:rPr lang="en-US" smtClean="0"/>
-              <a:t>2/24/25</a:t>
+              <a:t>1/20/26</a:t>
             </a:fld>
             <a:endParaRPr lang="en-US"/>
           </a:p>
@@ -6584,7 +6499,7 @@
           <a:p>
             <a:fld id="{3FD2E5CD-3587-6B4E-9A70-18FBCE099A42}" type="datetimeFigureOut">
               <a:rPr lang="en-US" smtClean="0"/>
-              <a:t>2/24/25</a:t>
+              <a:t>1/20/26</a:t>
             </a:fld>
             <a:endParaRPr lang="en-US"/>
           </a:p>
@@ -7133,6 +7048,13 @@
             <a:tailEnd/>
           </a:ln>
         </p:spPr>
+        <p:txBody>
+          <a:bodyPr/>
+          <a:lstStyle/>
+          <a:p>
+            <a:endParaRPr lang="en-US"/>
+          </a:p>
+        </p:txBody>
       </p:sp>
       <p:sp>
         <p:nvSpPr>
@@ -7171,6 +7093,13 @@
             <a:schemeClr val="lt1"/>
           </a:fontRef>
         </p:style>
+        <p:txBody>
+          <a:bodyPr/>
+          <a:lstStyle/>
+          <a:p>
+            <a:endParaRPr lang="en-US"/>
+          </a:p>
+        </p:txBody>
       </p:sp>
     </p:spTree>
     <p:extLst>
@@ -8652,15 +8581,7 @@
             </a:r>
             <a:r>
               <a:rPr lang="en-US" dirty="0"/>
-              <a:t>, preventing us from using the difference in means between the informed and </a:t>
-            </a:r>
-            <a:r>
-              <a:rPr lang="en-US" dirty="0" err="1"/>
-              <a:t>uninformewd</a:t>
-            </a:r>
-            <a:r>
-              <a:rPr lang="en-US" dirty="0"/>
-              <a:t> as an estimate of the causal effect of information on behavior.</a:t>
+              <a:t>, preventing us from using the difference in means between the informed and uninformed as an estimate of the causal effect of information on behavior.</a:t>
             </a:r>
           </a:p>
           <a:p>
@@ -8757,8 +8678,12 @@
           <a:lstStyle/>
           <a:p>
             <a:r>
+              <a:rPr lang="en-US"/>
+              <a:t>Next week </a:t>
+            </a:r>
+            <a:r>
               <a:rPr lang="en-US" dirty="0"/>
-              <a:t>Tomorrow is the 134</a:t>
+              <a:t>is the 135</a:t>
             </a:r>
             <a:r>
               <a:rPr lang="en-US" baseline="30000" dirty="0"/>
@@ -11740,8 +11665,8 @@
           </a:p>
         </p:txBody>
       </p:sp>
-      <mc:AlternateContent xmlns:mc="http://schemas.openxmlformats.org/markup-compatibility/2006">
-        <mc:Choice xmlns:a14="http://schemas.microsoft.com/office/drawing/2010/main" Requires="a14">
+      <mc:AlternateContent xmlns:mc="http://schemas.openxmlformats.org/markup-compatibility/2006" xmlns:a14="http://schemas.microsoft.com/office/drawing/2010/main">
+        <mc:Choice Requires="a14">
           <p:sp>
             <p:nvSpPr>
               <p:cNvPr id="3" name="Content Placeholder 2">
@@ -12248,7 +12173,7 @@
             </p:txBody>
           </p:sp>
         </mc:Choice>
-        <mc:Fallback>
+        <mc:Fallback xmlns="">
           <p:sp>
             <p:nvSpPr>
               <p:cNvPr id="3" name="Content Placeholder 2">
@@ -18505,7 +18430,7 @@
             </p:nvSpPr>
             <p:spPr>
               <a:blipFill>
-                <a:blip r:embed="rId2"/>
+                <a:blip r:embed="rId3"/>
                 <a:stretch>
                   <a:fillRect l="-498" t="-704" b="-704"/>
                 </a:stretch>
